--- a/Needfinding.pptx
+++ b/Needfinding.pptx
@@ -123,6 +123,11 @@
       </a:defRPr>
     </a:lvl9pPr>
   </p:defaultTextStyle>
+  <p:extLst>
+    <p:ext uri="{EFAFB233-063F-42B5-8137-9DF3F51BA10A}">
+      <p15:sldGuideLst xmlns:p15="http://schemas.microsoft.com/office/powerpoint/2012/main"/>
+    </p:ext>
+  </p:extLst>
 </p:presentation>
 </file>
 
@@ -520,8 +525,12 @@
               </a:defRPr>
             </a:pPr>
             <a:r>
+              <a:rPr lang="en-PH" dirty="0"/>
+              <a:t>Use a </a:t>
+            </a:r>
+            <a:r>
               <a:rPr lang="en-PH"/>
-              <a:t>Use a bus termina/waiting area</a:t>
+              <a:t>bus terminal/waiting area</a:t>
             </a:r>
           </a:p>
         </c:rich>
@@ -2011,7 +2020,7 @@
           <a:p>
             <a:fld id="{DC78F736-D8B6-4965-B511-D850070086CE}" type="datetimeFigureOut">
               <a:rPr lang="en-PH" smtClean="0"/>
-              <a:t>15/07/2019</a:t>
+              <a:t>16/07/2019</a:t>
             </a:fld>
             <a:endParaRPr lang="en-PH"/>
           </a:p>
@@ -2743,7 +2752,7 @@
             <a:fld id="{5586B75A-687E-405C-8A0B-8D00578BA2C3}" type="datetimeFigureOut">
               <a:rPr lang="en-US" smtClean="0"/>
               <a:pPr/>
-              <a:t>7/15/2019</a:t>
+              <a:t>7/16/2019</a:t>
             </a:fld>
             <a:endParaRPr lang="en-US" dirty="0"/>
           </a:p>
@@ -3020,7 +3029,7 @@
             <a:fld id="{5586B75A-687E-405C-8A0B-8D00578BA2C3}" type="datetimeFigureOut">
               <a:rPr lang="en-US" smtClean="0"/>
               <a:pPr/>
-              <a:t>7/15/2019</a:t>
+              <a:t>7/16/2019</a:t>
             </a:fld>
             <a:endParaRPr lang="en-US" dirty="0"/>
           </a:p>
@@ -3217,7 +3226,7 @@
             <a:fld id="{5586B75A-687E-405C-8A0B-8D00578BA2C3}" type="datetimeFigureOut">
               <a:rPr lang="en-US" smtClean="0"/>
               <a:pPr/>
-              <a:t>7/15/2019</a:t>
+              <a:t>7/16/2019</a:t>
             </a:fld>
             <a:endParaRPr lang="en-US" dirty="0"/>
           </a:p>
@@ -3491,7 +3500,7 @@
             <a:fld id="{5586B75A-687E-405C-8A0B-8D00578BA2C3}" type="datetimeFigureOut">
               <a:rPr lang="en-US" smtClean="0"/>
               <a:pPr/>
-              <a:t>7/15/2019</a:t>
+              <a:t>7/16/2019</a:t>
             </a:fld>
             <a:endParaRPr lang="en-US" dirty="0"/>
           </a:p>
@@ -3821,7 +3830,7 @@
             <a:fld id="{5586B75A-687E-405C-8A0B-8D00578BA2C3}" type="datetimeFigureOut">
               <a:rPr lang="en-US" smtClean="0"/>
               <a:pPr/>
-              <a:t>7/15/2019</a:t>
+              <a:t>7/16/2019</a:t>
             </a:fld>
             <a:endParaRPr lang="en-US" dirty="0"/>
           </a:p>
@@ -4443,7 +4452,7 @@
             <a:fld id="{5586B75A-687E-405C-8A0B-8D00578BA2C3}" type="datetimeFigureOut">
               <a:rPr lang="en-US" smtClean="0"/>
               <a:pPr/>
-              <a:t>7/15/2019</a:t>
+              <a:t>7/16/2019</a:t>
             </a:fld>
             <a:endParaRPr lang="en-US" dirty="0"/>
           </a:p>
@@ -5293,7 +5302,7 @@
             <a:fld id="{5586B75A-687E-405C-8A0B-8D00578BA2C3}" type="datetimeFigureOut">
               <a:rPr lang="en-US" smtClean="0"/>
               <a:pPr/>
-              <a:t>7/15/2019</a:t>
+              <a:t>7/16/2019</a:t>
             </a:fld>
             <a:endParaRPr lang="en-US" dirty="0"/>
           </a:p>
@@ -5466,7 +5475,7 @@
             <a:fld id="{5586B75A-687E-405C-8A0B-8D00578BA2C3}" type="datetimeFigureOut">
               <a:rPr lang="en-US" smtClean="0"/>
               <a:pPr/>
-              <a:t>7/15/2019</a:t>
+              <a:t>7/16/2019</a:t>
             </a:fld>
             <a:endParaRPr lang="en-US" dirty="0"/>
           </a:p>
@@ -5648,7 +5657,7 @@
             <a:fld id="{5586B75A-687E-405C-8A0B-8D00578BA2C3}" type="datetimeFigureOut">
               <a:rPr lang="en-US" smtClean="0"/>
               <a:pPr/>
-              <a:t>7/15/2019</a:t>
+              <a:t>7/16/2019</a:t>
             </a:fld>
             <a:endParaRPr lang="en-US" dirty="0"/>
           </a:p>
@@ -5820,7 +5829,7 @@
             <a:fld id="{5586B75A-687E-405C-8A0B-8D00578BA2C3}" type="datetimeFigureOut">
               <a:rPr lang="en-US" smtClean="0"/>
               <a:pPr/>
-              <a:t>7/15/2019</a:t>
+              <a:t>7/16/2019</a:t>
             </a:fld>
             <a:endParaRPr lang="en-US" dirty="0"/>
           </a:p>
@@ -6069,7 +6078,7 @@
             <a:fld id="{5586B75A-687E-405C-8A0B-8D00578BA2C3}" type="datetimeFigureOut">
               <a:rPr lang="en-US" smtClean="0"/>
               <a:pPr/>
-              <a:t>7/15/2019</a:t>
+              <a:t>7/16/2019</a:t>
             </a:fld>
             <a:endParaRPr lang="en-US" dirty="0"/>
           </a:p>
@@ -6363,7 +6372,7 @@
             <a:fld id="{5586B75A-687E-405C-8A0B-8D00578BA2C3}" type="datetimeFigureOut">
               <a:rPr lang="en-US" smtClean="0"/>
               <a:pPr/>
-              <a:t>7/15/2019</a:t>
+              <a:t>7/16/2019</a:t>
             </a:fld>
             <a:endParaRPr lang="en-US" dirty="0"/>
           </a:p>
@@ -6809,7 +6818,7 @@
             <a:fld id="{5586B75A-687E-405C-8A0B-8D00578BA2C3}" type="datetimeFigureOut">
               <a:rPr lang="en-US" smtClean="0"/>
               <a:pPr/>
-              <a:t>7/15/2019</a:t>
+              <a:t>7/16/2019</a:t>
             </a:fld>
             <a:endParaRPr lang="en-US" dirty="0"/>
           </a:p>
@@ -6929,7 +6938,7 @@
             <a:fld id="{5586B75A-687E-405C-8A0B-8D00578BA2C3}" type="datetimeFigureOut">
               <a:rPr lang="en-US" smtClean="0"/>
               <a:pPr/>
-              <a:t>7/15/2019</a:t>
+              <a:t>7/16/2019</a:t>
             </a:fld>
             <a:endParaRPr lang="en-US" dirty="0"/>
           </a:p>
@@ -7026,7 +7035,7 @@
             <a:fld id="{5586B75A-687E-405C-8A0B-8D00578BA2C3}" type="datetimeFigureOut">
               <a:rPr lang="en-US" smtClean="0"/>
               <a:pPr/>
-              <a:t>7/15/2019</a:t>
+              <a:t>7/16/2019</a:t>
             </a:fld>
             <a:endParaRPr lang="en-US" dirty="0"/>
           </a:p>
@@ -7307,7 +7316,7 @@
             <a:fld id="{5586B75A-687E-405C-8A0B-8D00578BA2C3}" type="datetimeFigureOut">
               <a:rPr lang="en-US" smtClean="0"/>
               <a:pPr/>
-              <a:t>7/15/2019</a:t>
+              <a:t>7/16/2019</a:t>
             </a:fld>
             <a:endParaRPr lang="en-US" dirty="0"/>
           </a:p>
@@ -7584,7 +7593,7 @@
             <a:fld id="{5586B75A-687E-405C-8A0B-8D00578BA2C3}" type="datetimeFigureOut">
               <a:rPr lang="en-US" smtClean="0"/>
               <a:pPr/>
-              <a:t>7/15/2019</a:t>
+              <a:t>7/16/2019</a:t>
             </a:fld>
             <a:endParaRPr lang="en-US" dirty="0"/>
           </a:p>
@@ -8009,7 +8018,7 @@
             <a:fld id="{5586B75A-687E-405C-8A0B-8D00578BA2C3}" type="datetimeFigureOut">
               <a:rPr lang="en-US" smtClean="0"/>
               <a:pPr/>
-              <a:t>7/15/2019</a:t>
+              <a:t>7/16/2019</a:t>
             </a:fld>
             <a:endParaRPr lang="en-US" dirty="0"/>
           </a:p>
@@ -8765,7 +8774,7 @@
           <p:nvPr>
             <p:extLst>
               <p:ext uri="{D42A27DB-BD31-4B8C-83A1-F6EECF244321}">
-                <p14:modId xmlns:p14="http://schemas.microsoft.com/office/powerpoint/2010/main" val="2999465534"/>
+                <p14:modId xmlns:p14="http://schemas.microsoft.com/office/powerpoint/2010/main" val="3601669211"/>
               </p:ext>
             </p:extLst>
           </p:nvPr>
